--- a/Sockets.pptx
+++ b/Sockets.pptx
@@ -8,7 +8,6 @@
     <p:sldId id="256" r:id="rId2"/>
     <p:sldId id="257" r:id="rId3"/>
     <p:sldId id="258" r:id="rId4"/>
-    <p:sldId id="259" r:id="rId5"/>
   </p:sldIdLst>
   <p:sldSz cx="12192000" cy="6858000"/>
   <p:notesSz cx="6858000" cy="9144000"/>
@@ -107,6 +106,11 @@
       </a:defRPr>
     </a:lvl9pPr>
   </p:defaultTextStyle>
+  <p:extLst>
+    <p:ext uri="{EFAFB233-063F-42B5-8137-9DF3F51BA10A}">
+      <p15:sldGuideLst xmlns:p15="http://schemas.microsoft.com/office/powerpoint/2012/main"/>
+    </p:ext>
+  </p:extLst>
 </p:presentation>
 </file>
 
@@ -257,7 +261,7 @@
           <a:p>
             <a:fld id="{EAA8AC71-9DFC-9B41-B48E-80067B57D62A}" type="datetimeFigureOut">
               <a:rPr lang="da-DK" smtClean="0"/>
-              <a:t>06/01/2019</a:t>
+              <a:t>08-01-2019</a:t>
             </a:fld>
             <a:endParaRPr lang="da-DK"/>
           </a:p>
@@ -455,7 +459,7 @@
           <a:p>
             <a:fld id="{EAA8AC71-9DFC-9B41-B48E-80067B57D62A}" type="datetimeFigureOut">
               <a:rPr lang="da-DK" smtClean="0"/>
-              <a:t>06/01/2019</a:t>
+              <a:t>08-01-2019</a:t>
             </a:fld>
             <a:endParaRPr lang="da-DK"/>
           </a:p>
@@ -663,7 +667,7 @@
           <a:p>
             <a:fld id="{EAA8AC71-9DFC-9B41-B48E-80067B57D62A}" type="datetimeFigureOut">
               <a:rPr lang="da-DK" smtClean="0"/>
-              <a:t>06/01/2019</a:t>
+              <a:t>08-01-2019</a:t>
             </a:fld>
             <a:endParaRPr lang="da-DK"/>
           </a:p>
@@ -861,7 +865,7 @@
           <a:p>
             <a:fld id="{EAA8AC71-9DFC-9B41-B48E-80067B57D62A}" type="datetimeFigureOut">
               <a:rPr lang="da-DK" smtClean="0"/>
-              <a:t>06/01/2019</a:t>
+              <a:t>08-01-2019</a:t>
             </a:fld>
             <a:endParaRPr lang="da-DK"/>
           </a:p>
@@ -1136,7 +1140,7 @@
           <a:p>
             <a:fld id="{EAA8AC71-9DFC-9B41-B48E-80067B57D62A}" type="datetimeFigureOut">
               <a:rPr lang="da-DK" smtClean="0"/>
-              <a:t>06/01/2019</a:t>
+              <a:t>08-01-2019</a:t>
             </a:fld>
             <a:endParaRPr lang="da-DK"/>
           </a:p>
@@ -1401,7 +1405,7 @@
           <a:p>
             <a:fld id="{EAA8AC71-9DFC-9B41-B48E-80067B57D62A}" type="datetimeFigureOut">
               <a:rPr lang="da-DK" smtClean="0"/>
-              <a:t>06/01/2019</a:t>
+              <a:t>08-01-2019</a:t>
             </a:fld>
             <a:endParaRPr lang="da-DK"/>
           </a:p>
@@ -1813,7 +1817,7 @@
           <a:p>
             <a:fld id="{EAA8AC71-9DFC-9B41-B48E-80067B57D62A}" type="datetimeFigureOut">
               <a:rPr lang="da-DK" smtClean="0"/>
-              <a:t>06/01/2019</a:t>
+              <a:t>08-01-2019</a:t>
             </a:fld>
             <a:endParaRPr lang="da-DK"/>
           </a:p>
@@ -1954,7 +1958,7 @@
           <a:p>
             <a:fld id="{EAA8AC71-9DFC-9B41-B48E-80067B57D62A}" type="datetimeFigureOut">
               <a:rPr lang="da-DK" smtClean="0"/>
-              <a:t>06/01/2019</a:t>
+              <a:t>08-01-2019</a:t>
             </a:fld>
             <a:endParaRPr lang="da-DK"/>
           </a:p>
@@ -2067,7 +2071,7 @@
           <a:p>
             <a:fld id="{EAA8AC71-9DFC-9B41-B48E-80067B57D62A}" type="datetimeFigureOut">
               <a:rPr lang="da-DK" smtClean="0"/>
-              <a:t>06/01/2019</a:t>
+              <a:t>08-01-2019</a:t>
             </a:fld>
             <a:endParaRPr lang="da-DK"/>
           </a:p>
@@ -2378,7 +2382,7 @@
           <a:p>
             <a:fld id="{EAA8AC71-9DFC-9B41-B48E-80067B57D62A}" type="datetimeFigureOut">
               <a:rPr lang="da-DK" smtClean="0"/>
-              <a:t>06/01/2019</a:t>
+              <a:t>08-01-2019</a:t>
             </a:fld>
             <a:endParaRPr lang="da-DK"/>
           </a:p>
@@ -2666,7 +2670,7 @@
           <a:p>
             <a:fld id="{EAA8AC71-9DFC-9B41-B48E-80067B57D62A}" type="datetimeFigureOut">
               <a:rPr lang="da-DK" smtClean="0"/>
-              <a:t>06/01/2019</a:t>
+              <a:t>08-01-2019</a:t>
             </a:fld>
             <a:endParaRPr lang="da-DK"/>
           </a:p>
@@ -2907,7 +2911,7 @@
           <a:p>
             <a:fld id="{EAA8AC71-9DFC-9B41-B48E-80067B57D62A}" type="datetimeFigureOut">
               <a:rPr lang="da-DK" smtClean="0"/>
-              <a:t>06/01/2019</a:t>
+              <a:t>08-01-2019</a:t>
             </a:fld>
             <a:endParaRPr lang="da-DK"/>
           </a:p>
@@ -3377,6 +3381,53 @@
           </a:p>
         </p:txBody>
       </p:sp>
+      <p:pic>
+        <p:nvPicPr>
+          <p:cNvPr id="2050" name="Picture 2" descr="https://scontent-arn2-2.xx.fbcdn.net/v/t1.15752-9/49566298_554926958315391_6818929557916090368_n.png?_nc_cat=102&amp;_nc_ht=scontent-arn2-2.xx&amp;oh=4b4fa63b056e173153ae050ab25644e1&amp;oe=5CCBB59D">
+            <a:extLst>
+              <a:ext uri="{FF2B5EF4-FFF2-40B4-BE49-F238E27FC236}">
+                <a16:creationId xmlns:a16="http://schemas.microsoft.com/office/drawing/2014/main" id="{6C655093-B29C-479F-8A7F-BE346E618318}"/>
+              </a:ext>
+            </a:extLst>
+          </p:cNvPr>
+          <p:cNvPicPr>
+            <a:picLocks noChangeAspect="1" noChangeArrowheads="1"/>
+          </p:cNvPicPr>
+          <p:nvPr/>
+        </p:nvPicPr>
+        <p:blipFill>
+          <a:blip r:embed="rId2">
+            <a:extLst>
+              <a:ext uri="{28A0092B-C50C-407E-A947-70E740481C1C}">
+                <a14:useLocalDpi xmlns:a14="http://schemas.microsoft.com/office/drawing/2010/main" val="0"/>
+              </a:ext>
+            </a:extLst>
+          </a:blip>
+          <a:srcRect/>
+          <a:stretch>
+            <a:fillRect/>
+          </a:stretch>
+        </p:blipFill>
+        <p:spPr bwMode="auto">
+          <a:xfrm>
+            <a:off x="1704975" y="1476375"/>
+            <a:ext cx="8782050" cy="3905250"/>
+          </a:xfrm>
+          <a:prstGeom prst="rect">
+            <a:avLst/>
+          </a:prstGeom>
+          <a:noFill/>
+          <a:extLst>
+            <a:ext uri="{909E8E84-426E-40DD-AFC4-6F175D3DCCD1}">
+              <a14:hiddenFill xmlns:a14="http://schemas.microsoft.com/office/drawing/2010/main">
+                <a:solidFill>
+                  <a:srgbClr val="FFFFFF"/>
+                </a:solidFill>
+              </a14:hiddenFill>
+            </a:ext>
+          </a:extLst>
+        </p:spPr>
+      </p:pic>
     </p:spTree>
     <p:extLst>
       <p:ext uri="{BB962C8B-B14F-4D97-AF65-F5344CB8AC3E}">
@@ -3546,7 +3597,7 @@
           <p:cNvPr id="2" name="Titel 1">
             <a:extLst>
               <a:ext uri="{FF2B5EF4-FFF2-40B4-BE49-F238E27FC236}">
-                <a16:creationId xmlns:a16="http://schemas.microsoft.com/office/drawing/2014/main" id="{1C9E94CE-BB8D-4D45-8238-34DFCFFC4405}"/>
+                <a16:creationId xmlns:a16="http://schemas.microsoft.com/office/drawing/2014/main" id="{142B16C7-55AE-413E-BA1D-165348CA3130}"/>
               </a:ext>
             </a:extLst>
           </p:cNvPr>
@@ -3562,144 +3613,114 @@
           <a:bodyPr/>
           <a:lstStyle/>
           <a:p>
-            <a:endParaRPr lang="da-DK"/>
-          </a:p>
-        </p:txBody>
-      </p:sp>
-      <p:sp>
-        <p:nvSpPr>
-          <p:cNvPr id="3" name="Pladsholder til indhold 2">
-            <a:extLst>
-              <a:ext uri="{FF2B5EF4-FFF2-40B4-BE49-F238E27FC236}">
-                <a16:creationId xmlns:a16="http://schemas.microsoft.com/office/drawing/2014/main" id="{C0F7080A-03F2-704C-8BA8-AB5209D4C191}"/>
-              </a:ext>
-            </a:extLst>
-          </p:cNvPr>
-          <p:cNvSpPr>
-            <a:spLocks noGrp="1"/>
-          </p:cNvSpPr>
+            <a:r>
+              <a:rPr lang="da-DK" dirty="0"/>
+              <a:t>TCP / UDP SERVER EXAMPLE</a:t>
+            </a:r>
+            <a:endParaRPr lang="en-GB" dirty="0"/>
+          </a:p>
+        </p:txBody>
+      </p:sp>
+      <p:pic>
+        <p:nvPicPr>
+          <p:cNvPr id="1026" name="Picture 2" descr="https://scontent-arn2-2.xx.fbcdn.net/v/t1.15752-9/49612621_1145947268915272_4574013438639996928_n.png?_nc_cat=110&amp;_nc_ht=scontent-arn2-2.xx&amp;oh=ec7a6f5ac5f8c2804619f3cfa77dd3ad&amp;oe=5CD10924">
+            <a:extLst>
+              <a:ext uri="{FF2B5EF4-FFF2-40B4-BE49-F238E27FC236}">
+                <a16:creationId xmlns:a16="http://schemas.microsoft.com/office/drawing/2014/main" id="{57E8093E-389B-4684-9A77-91076F6E14E7}"/>
+              </a:ext>
+            </a:extLst>
+          </p:cNvPr>
+          <p:cNvPicPr>
+            <a:picLocks noGrp="1" noChangeAspect="1" noChangeArrowheads="1"/>
+          </p:cNvPicPr>
           <p:nvPr>
             <p:ph idx="1"/>
           </p:nvPr>
-        </p:nvSpPr>
-        <p:spPr/>
-        <p:txBody>
-          <a:bodyPr/>
-          <a:lstStyle/>
-          <a:p>
-            <a:r>
-              <a:rPr lang="da-DK" dirty="0"/>
-              <a:t>Hver </a:t>
-            </a:r>
-            <a:r>
-              <a:rPr lang="da-DK" dirty="0" err="1"/>
-              <a:t>socket</a:t>
-            </a:r>
-            <a:r>
-              <a:rPr lang="da-DK" dirty="0"/>
-              <a:t> har hver deres port.</a:t>
-            </a:r>
-          </a:p>
-          <a:p>
-            <a:r>
-              <a:rPr lang="da-DK" dirty="0"/>
-              <a:t>Snakker fra port til port (skal være samme port, </a:t>
-            </a:r>
-            <a:r>
-              <a:rPr lang="da-DK" dirty="0" err="1"/>
-              <a:t>e.g</a:t>
-            </a:r>
-            <a:r>
-              <a:rPr lang="da-DK" dirty="0"/>
-              <a:t>. port 80).</a:t>
-            </a:r>
-          </a:p>
-        </p:txBody>
-      </p:sp>
+        </p:nvPicPr>
+        <p:blipFill>
+          <a:blip r:embed="rId2">
+            <a:extLst>
+              <a:ext uri="{28A0092B-C50C-407E-A947-70E740481C1C}">
+                <a14:useLocalDpi xmlns:a14="http://schemas.microsoft.com/office/drawing/2010/main" val="0"/>
+              </a:ext>
+            </a:extLst>
+          </a:blip>
+          <a:srcRect/>
+          <a:stretch>
+            <a:fillRect/>
+          </a:stretch>
+        </p:blipFill>
+        <p:spPr bwMode="auto">
+          <a:xfrm>
+            <a:off x="697523" y="1430127"/>
+            <a:ext cx="7360138" cy="2117300"/>
+          </a:xfrm>
+          <a:prstGeom prst="rect">
+            <a:avLst/>
+          </a:prstGeom>
+          <a:noFill/>
+          <a:extLst>
+            <a:ext uri="{909E8E84-426E-40DD-AFC4-6F175D3DCCD1}">
+              <a14:hiddenFill xmlns:a14="http://schemas.microsoft.com/office/drawing/2010/main">
+                <a:solidFill>
+                  <a:srgbClr val="FFFFFF"/>
+                </a:solidFill>
+              </a14:hiddenFill>
+            </a:ext>
+          </a:extLst>
+        </p:spPr>
+      </p:pic>
+      <p:pic>
+        <p:nvPicPr>
+          <p:cNvPr id="1028" name="Picture 4" descr="https://scontent-arn2-2.xx.fbcdn.net/v/t1.15752-9/49574341_1012307382297602_1007837595247312896_n.png?_nc_cat=108&amp;_nc_ht=scontent-arn2-2.xx&amp;oh=7366e7c0907fd5f2e1d0bef329aadfe3&amp;oe=5CC7EA64">
+            <a:extLst>
+              <a:ext uri="{FF2B5EF4-FFF2-40B4-BE49-F238E27FC236}">
+                <a16:creationId xmlns:a16="http://schemas.microsoft.com/office/drawing/2014/main" id="{DCF2C8A8-0947-42FA-BC4F-7E50FA73C72A}"/>
+              </a:ext>
+            </a:extLst>
+          </p:cNvPr>
+          <p:cNvPicPr>
+            <a:picLocks noChangeAspect="1" noChangeArrowheads="1"/>
+          </p:cNvPicPr>
+          <p:nvPr/>
+        </p:nvPicPr>
+        <p:blipFill>
+          <a:blip r:embed="rId3">
+            <a:extLst>
+              <a:ext uri="{28A0092B-C50C-407E-A947-70E740481C1C}">
+                <a14:useLocalDpi xmlns:a14="http://schemas.microsoft.com/office/drawing/2010/main" val="0"/>
+              </a:ext>
+            </a:extLst>
+          </a:blip>
+          <a:srcRect/>
+          <a:stretch>
+            <a:fillRect/>
+          </a:stretch>
+        </p:blipFill>
+        <p:spPr bwMode="auto">
+          <a:xfrm>
+            <a:off x="697523" y="4082122"/>
+            <a:ext cx="8299938" cy="2308420"/>
+          </a:xfrm>
+          <a:prstGeom prst="rect">
+            <a:avLst/>
+          </a:prstGeom>
+          <a:noFill/>
+          <a:extLst>
+            <a:ext uri="{909E8E84-426E-40DD-AFC4-6F175D3DCCD1}">
+              <a14:hiddenFill xmlns:a14="http://schemas.microsoft.com/office/drawing/2010/main">
+                <a:solidFill>
+                  <a:srgbClr val="FFFFFF"/>
+                </a:solidFill>
+              </a14:hiddenFill>
+            </a:ext>
+          </a:extLst>
+        </p:spPr>
+      </p:pic>
     </p:spTree>
     <p:extLst>
       <p:ext uri="{BB962C8B-B14F-4D97-AF65-F5344CB8AC3E}">
-        <p14:creationId xmlns:p14="http://schemas.microsoft.com/office/powerpoint/2010/main" val="3018482014"/>
-      </p:ext>
-    </p:extLst>
-  </p:cSld>
-  <p:clrMapOvr>
-    <a:masterClrMapping/>
-  </p:clrMapOvr>
-</p:sld>
-</file>
-
-<file path=ppt/slides/slide4.xml><?xml version="1.0" encoding="utf-8"?>
-<p:sld xmlns:a="http://schemas.openxmlformats.org/drawingml/2006/main" xmlns:r="http://schemas.openxmlformats.org/officeDocument/2006/relationships" xmlns:p="http://schemas.openxmlformats.org/presentationml/2006/main">
-  <p:cSld>
-    <p:spTree>
-      <p:nvGrpSpPr>
-        <p:cNvPr id="1" name=""/>
-        <p:cNvGrpSpPr/>
-        <p:nvPr/>
-      </p:nvGrpSpPr>
-      <p:grpSpPr>
-        <a:xfrm>
-          <a:off x="0" y="0"/>
-          <a:ext cx="0" cy="0"/>
-          <a:chOff x="0" y="0"/>
-          <a:chExt cx="0" cy="0"/>
-        </a:xfrm>
-      </p:grpSpPr>
-      <p:sp>
-        <p:nvSpPr>
-          <p:cNvPr id="2" name="Titel 1">
-            <a:extLst>
-              <a:ext uri="{FF2B5EF4-FFF2-40B4-BE49-F238E27FC236}">
-                <a16:creationId xmlns:a16="http://schemas.microsoft.com/office/drawing/2014/main" id="{D7DA4C5A-2AE5-914B-80B8-DC2939B4D230}"/>
-              </a:ext>
-            </a:extLst>
-          </p:cNvPr>
-          <p:cNvSpPr>
-            <a:spLocks noGrp="1"/>
-          </p:cNvSpPr>
-          <p:nvPr>
-            <p:ph type="title"/>
-          </p:nvPr>
-        </p:nvSpPr>
-        <p:spPr/>
-        <p:txBody>
-          <a:bodyPr/>
-          <a:lstStyle/>
-          <a:p>
-            <a:endParaRPr lang="da-DK"/>
-          </a:p>
-        </p:txBody>
-      </p:sp>
-      <p:sp>
-        <p:nvSpPr>
-          <p:cNvPr id="3" name="Pladsholder til indhold 2">
-            <a:extLst>
-              <a:ext uri="{FF2B5EF4-FFF2-40B4-BE49-F238E27FC236}">
-                <a16:creationId xmlns:a16="http://schemas.microsoft.com/office/drawing/2014/main" id="{3093E86E-91C9-7C43-BC3F-105C762F1CD8}"/>
-              </a:ext>
-            </a:extLst>
-          </p:cNvPr>
-          <p:cNvSpPr>
-            <a:spLocks noGrp="1"/>
-          </p:cNvSpPr>
-          <p:nvPr>
-            <p:ph idx="1"/>
-          </p:nvPr>
-        </p:nvSpPr>
-        <p:spPr/>
-        <p:txBody>
-          <a:bodyPr/>
-          <a:lstStyle/>
-          <a:p>
-            <a:endParaRPr lang="da-DK"/>
-          </a:p>
-        </p:txBody>
-      </p:sp>
-    </p:spTree>
-    <p:extLst>
-      <p:ext uri="{BB962C8B-B14F-4D97-AF65-F5344CB8AC3E}">
-        <p14:creationId xmlns:p14="http://schemas.microsoft.com/office/powerpoint/2010/main" val="1318531023"/>
+        <p14:creationId xmlns:p14="http://schemas.microsoft.com/office/powerpoint/2010/main" val="3923164982"/>
       </p:ext>
     </p:extLst>
   </p:cSld>
